--- a/MachineLearning/PPT/Ch04LinearModels.pptx
+++ b/MachineLearning/PPT/Ch04LinearModels.pptx
@@ -3346,7 +3346,7 @@
         </p:spPr>
         <p:txBody>
           <a:bodyPr>
-            <a:normAutofit fontScale="90000"/>
+            <a:normAutofit/>
           </a:bodyPr>
           <a:lstStyle/>
           <a:p>
@@ -3371,7 +3371,7 @@
                 <a:cs typeface="+mn-ea"/>
                 <a:sym typeface="+mn-lt"/>
               </a:rPr>
-              <a:t>3</a:t>
+              <a:t>4</a:t>
             </a:r>
             <a:r>
               <a:rPr lang="zh-CN" altLang="en-US" dirty="0">
@@ -3389,60 +3389,7 @@
                 <a:cs typeface="+mn-ea"/>
                 <a:sym typeface="+mn-lt"/>
               </a:rPr>
-              <a:t> </a:t>
-            </a:r>
-            <a:r>
-              <a:rPr lang="en-US" altLang="zh-CN" b="1" dirty="0">
-                <a:latin typeface="+mn-lt"/>
-                <a:ea typeface="+mn-ea"/>
-                <a:cs typeface="+mn-ea"/>
-                <a:sym typeface="+mn-lt"/>
-              </a:rPr>
-              <a:t>KNN</a:t>
-            </a:r>
-            <a:br>
-              <a:rPr lang="en-US" altLang="zh-CN" b="1" dirty="0">
-                <a:latin typeface="+mn-lt"/>
-                <a:ea typeface="+mn-ea"/>
-                <a:cs typeface="+mn-ea"/>
-                <a:sym typeface="+mn-lt"/>
-              </a:rPr>
-            </a:br>
-            <a:r>
-              <a:rPr lang="en-US" altLang="zh-CN" b="1" dirty="0">
-                <a:latin typeface="+mn-lt"/>
-                <a:ea typeface="+mn-ea"/>
-                <a:cs typeface="+mn-ea"/>
-                <a:sym typeface="+mn-lt"/>
-              </a:rPr>
-              <a:t>K</a:t>
-            </a:r>
-            <a:r>
-              <a:rPr lang="zh-CN" altLang="en-US" b="1" dirty="0">
-                <a:latin typeface="+mn-lt"/>
-                <a:ea typeface="+mn-ea"/>
-                <a:cs typeface="+mn-ea"/>
-                <a:sym typeface="+mn-lt"/>
-              </a:rPr>
-              <a:t>最近邻算法</a:t>
-            </a:r>
-            <a:r>
-              <a:rPr lang="en-US" altLang="zh-CN" b="1" dirty="0">
-                <a:latin typeface="+mn-lt"/>
-                <a:ea typeface="+mn-ea"/>
-                <a:cs typeface="+mn-ea"/>
-                <a:sym typeface="+mn-lt"/>
-              </a:rPr>
-              <a:t>/K</a:t>
-            </a:r>
-            <a:r>
-              <a:rPr lang="zh-CN" altLang="en-US" b="1" dirty="0">
-                <a:latin typeface="+mn-lt"/>
-                <a:ea typeface="+mn-ea"/>
-                <a:cs typeface="+mn-ea"/>
-                <a:sym typeface="+mn-lt"/>
-              </a:rPr>
-              <a:t>近邻算法</a:t>
+              <a:t> 广义线性模型</a:t>
             </a:r>
           </a:p>
         </p:txBody>
@@ -5161,22 +5108,13 @@
               </a:lnSpc>
             </a:pPr>
             <a:r>
-              <a:rPr lang="en-US" altLang="zh-CN" b="1" dirty="0">
-                <a:latin typeface="+mn-lt"/>
-                <a:ea typeface="+mn-ea"/>
-                <a:cs typeface="+mn-ea"/>
-                <a:sym typeface="+mn-lt"/>
-              </a:rPr>
-              <a:t>K</a:t>
-            </a:r>
-            <a:r>
               <a:rPr lang="zh-CN" altLang="en-US" b="1" dirty="0">
                 <a:latin typeface="+mn-lt"/>
                 <a:ea typeface="+mn-ea"/>
                 <a:cs typeface="+mn-ea"/>
                 <a:sym typeface="+mn-lt"/>
               </a:rPr>
-              <a:t>近邻算法</a:t>
+              <a:t>线性模型的基本概念</a:t>
             </a:r>
             <a:endParaRPr lang="en-US" altLang="zh-CN" b="1" dirty="0">
               <a:latin typeface="+mn-lt"/>
@@ -5186,151 +5124,19 @@
             </a:endParaRPr>
           </a:p>
           <a:p>
-            <a:pPr lvl="1">
-              <a:lnSpc>
-                <a:spcPct val="130000"/>
-              </a:lnSpc>
-              <a:buFont typeface="微软雅黑" panose="020B0503020204020204" pitchFamily="34" charset="-122"/>
-              <a:buChar char="•"/>
-            </a:pPr>
-            <a:r>
-              <a:rPr lang="en-US" altLang="zh-CN" dirty="0">
-                <a:latin typeface="+mn-lt"/>
-                <a:ea typeface="+mn-ea"/>
-                <a:cs typeface="+mn-ea"/>
-                <a:sym typeface="+mn-lt"/>
-              </a:rPr>
-              <a:t>K</a:t>
-            </a:r>
-            <a:r>
-              <a:rPr lang="zh-CN" altLang="en-US" dirty="0">
-                <a:latin typeface="+mn-lt"/>
-                <a:ea typeface="+mn-ea"/>
-                <a:cs typeface="+mn-ea"/>
-                <a:sym typeface="+mn-lt"/>
-              </a:rPr>
-              <a:t>近邻算法原理</a:t>
-            </a:r>
-            <a:endParaRPr lang="en-US" altLang="zh-CN" dirty="0">
-              <a:latin typeface="+mn-lt"/>
-              <a:ea typeface="+mn-ea"/>
-              <a:cs typeface="+mn-ea"/>
-              <a:sym typeface="+mn-lt"/>
-            </a:endParaRPr>
-          </a:p>
-          <a:p>
-            <a:pPr lvl="1">
-              <a:lnSpc>
-                <a:spcPct val="130000"/>
-              </a:lnSpc>
-              <a:buFont typeface="微软雅黑" panose="020B0503020204020204" pitchFamily="34" charset="-122"/>
-              <a:buChar char="•"/>
-            </a:pPr>
-            <a:r>
-              <a:rPr lang="zh-CN" altLang="en-US" dirty="0">
-                <a:latin typeface="+mn-lt"/>
-                <a:ea typeface="+mn-ea"/>
-                <a:cs typeface="+mn-ea"/>
-                <a:sym typeface="+mn-lt"/>
-              </a:rPr>
-              <a:t>二分类任务</a:t>
-            </a:r>
-            <a:endParaRPr lang="en-US" altLang="zh-CN" dirty="0">
-              <a:latin typeface="+mn-lt"/>
-              <a:ea typeface="+mn-ea"/>
-              <a:cs typeface="+mn-ea"/>
-              <a:sym typeface="+mn-lt"/>
-            </a:endParaRPr>
-          </a:p>
-          <a:p>
-            <a:pPr lvl="1">
-              <a:lnSpc>
-                <a:spcPct val="130000"/>
-              </a:lnSpc>
-              <a:buFont typeface="微软雅黑" panose="020B0503020204020204" pitchFamily="34" charset="-122"/>
-              <a:buChar char="•"/>
-            </a:pPr>
-            <a:r>
-              <a:rPr lang="zh-CN" altLang="en-US" dirty="0">
-                <a:latin typeface="+mn-lt"/>
-                <a:ea typeface="+mn-ea"/>
-                <a:cs typeface="+mn-ea"/>
-                <a:sym typeface="+mn-lt"/>
-              </a:rPr>
-              <a:t>多分类任务</a:t>
-            </a:r>
-            <a:endParaRPr lang="en-US" altLang="zh-CN" dirty="0">
-              <a:latin typeface="+mn-lt"/>
-              <a:ea typeface="+mn-ea"/>
-              <a:cs typeface="+mn-ea"/>
-              <a:sym typeface="+mn-lt"/>
-            </a:endParaRPr>
-          </a:p>
-          <a:p>
-            <a:pPr lvl="1">
-              <a:lnSpc>
-                <a:spcPct val="130000"/>
-              </a:lnSpc>
-              <a:buFont typeface="微软雅黑" panose="020B0503020204020204" pitchFamily="34" charset="-122"/>
-              <a:buChar char="•"/>
-            </a:pPr>
-            <a:r>
-              <a:rPr lang="zh-CN" altLang="en-US" dirty="0">
-                <a:latin typeface="+mn-lt"/>
-                <a:ea typeface="+mn-ea"/>
-                <a:cs typeface="+mn-ea"/>
-                <a:sym typeface="+mn-lt"/>
-              </a:rPr>
-              <a:t>回归分析</a:t>
-            </a:r>
-            <a:endParaRPr lang="en-US" altLang="zh-CN" dirty="0">
-              <a:latin typeface="+mn-lt"/>
-              <a:ea typeface="+mn-ea"/>
-              <a:cs typeface="+mn-ea"/>
-              <a:sym typeface="+mn-lt"/>
-            </a:endParaRPr>
-          </a:p>
-          <a:p>
             <a:pPr>
               <a:lnSpc>
                 <a:spcPct val="130000"/>
               </a:lnSpc>
             </a:pPr>
             <a:r>
-              <a:rPr lang="en-US" altLang="zh-CN" b="1" dirty="0">
-                <a:latin typeface="+mn-lt"/>
-                <a:ea typeface="+mn-ea"/>
-                <a:cs typeface="+mn-ea"/>
-                <a:sym typeface="+mn-lt"/>
-              </a:rPr>
-              <a:t>K</a:t>
-            </a:r>
-            <a:r>
               <a:rPr lang="zh-CN" altLang="en-US" b="1" dirty="0">
                 <a:latin typeface="+mn-lt"/>
                 <a:ea typeface="+mn-ea"/>
                 <a:cs typeface="+mn-ea"/>
                 <a:sym typeface="+mn-lt"/>
               </a:rPr>
-              <a:t>近邻算法案例</a:t>
-            </a:r>
-            <a:r>
-              <a:rPr lang="en-US" altLang="zh-CN" b="1" dirty="0">
-                <a:latin typeface="+mn-lt"/>
-                <a:ea typeface="+mn-ea"/>
-                <a:cs typeface="+mn-ea"/>
-                <a:sym typeface="+mn-lt"/>
-              </a:rPr>
-              <a:t>——</a:t>
-            </a:r>
-            <a:r>
-              <a:rPr lang="zh-CN" altLang="en-US" b="1" dirty="0">
-                <a:latin typeface="+mn-lt"/>
-                <a:ea typeface="+mn-ea"/>
-                <a:cs typeface="+mn-ea"/>
-                <a:sym typeface="+mn-lt"/>
-              </a:rPr>
-              <a:t>酒的分类</a:t>
+              <a:t>线性模式的可视化</a:t>
             </a:r>
             <a:endParaRPr lang="en-US" altLang="zh-CN" b="1" dirty="0">
               <a:latin typeface="+mn-lt"/>
@@ -5346,13 +5152,22 @@
               </a:lnSpc>
             </a:pPr>
             <a:r>
+              <a:rPr lang="zh-CN" altLang="en-US" b="1" dirty="0">
+                <a:latin typeface="+mn-lt"/>
+                <a:ea typeface="+mn-ea"/>
+                <a:cs typeface="+mn-ea"/>
+                <a:sym typeface="+mn-lt"/>
+              </a:rPr>
+              <a:t>线性回归（</a:t>
+            </a:r>
+            <a:r>
               <a:rPr lang="en-US" altLang="zh-CN" b="1" dirty="0">
                 <a:latin typeface="+mn-lt"/>
                 <a:ea typeface="+mn-ea"/>
                 <a:cs typeface="+mn-ea"/>
                 <a:sym typeface="+mn-lt"/>
               </a:rPr>
-              <a:t>K</a:t>
+              <a:t>Linear Regression</a:t>
             </a:r>
             <a:r>
               <a:rPr lang="zh-CN" altLang="en-US" b="1" dirty="0">
@@ -5361,7 +5176,29 @@
                 <a:cs typeface="+mn-ea"/>
                 <a:sym typeface="+mn-lt"/>
               </a:rPr>
-              <a:t>近邻算法案例</a:t>
+              <a:t>）</a:t>
+            </a:r>
+            <a:endParaRPr lang="en-US" altLang="zh-CN" b="1" dirty="0">
+              <a:latin typeface="+mn-lt"/>
+              <a:ea typeface="+mn-ea"/>
+              <a:cs typeface="+mn-ea"/>
+              <a:sym typeface="+mn-lt"/>
+            </a:endParaRPr>
+          </a:p>
+          <a:p>
+            <a:pPr>
+              <a:lnSpc>
+                <a:spcPct val="130000"/>
+              </a:lnSpc>
+            </a:pPr>
+            <a:r>
+              <a:rPr lang="zh-CN" altLang="en-US" b="1" dirty="0">
+                <a:latin typeface="+mn-lt"/>
+                <a:ea typeface="+mn-ea"/>
+                <a:cs typeface="+mn-ea"/>
+                <a:sym typeface="+mn-lt"/>
+              </a:rPr>
+              <a:t>岭回归（</a:t>
             </a:r>
             <a:r>
               <a:rPr lang="en-US" altLang="zh-CN" b="1" dirty="0">
@@ -5370,7 +5207,7 @@
                 <a:cs typeface="+mn-ea"/>
                 <a:sym typeface="+mn-lt"/>
               </a:rPr>
-              <a:t>——</a:t>
+              <a:t>Ridge Regression</a:t>
             </a:r>
             <a:r>
               <a:rPr lang="zh-CN" altLang="en-US" b="1" dirty="0">
@@ -5379,7 +5216,47 @@
                 <a:cs typeface="+mn-ea"/>
                 <a:sym typeface="+mn-lt"/>
               </a:rPr>
-              <a:t>糖尿病预测</a:t>
+              <a:t>）</a:t>
+            </a:r>
+            <a:endParaRPr lang="en-US" altLang="zh-CN" b="1" dirty="0">
+              <a:latin typeface="+mn-lt"/>
+              <a:ea typeface="+mn-ea"/>
+              <a:cs typeface="+mn-ea"/>
+              <a:sym typeface="+mn-lt"/>
+            </a:endParaRPr>
+          </a:p>
+          <a:p>
+            <a:pPr>
+              <a:lnSpc>
+                <a:spcPct val="130000"/>
+              </a:lnSpc>
+            </a:pPr>
+            <a:r>
+              <a:rPr lang="zh-CN" altLang="en-US" b="1" dirty="0">
+                <a:latin typeface="+mn-lt"/>
+                <a:ea typeface="+mn-ea"/>
+                <a:cs typeface="+mn-ea"/>
+                <a:sym typeface="+mn-lt"/>
+              </a:rPr>
+              <a:t>套索回归（</a:t>
+            </a:r>
+            <a:r>
+              <a:rPr lang="en-US" altLang="zh-CN" b="1" dirty="0">
+                <a:latin typeface="+mn-lt"/>
+                <a:ea typeface="+mn-ea"/>
+                <a:cs typeface="+mn-ea"/>
+                <a:sym typeface="+mn-lt"/>
+              </a:rPr>
+              <a:t>Lasso Regression</a:t>
+            </a:r>
+            <a:r>
+              <a:rPr lang="zh-CN" altLang="en-US" b="1" dirty="0">
+                <a:latin typeface="+mn-lt"/>
+                <a:ea typeface="+mn-ea"/>
+                <a:cs typeface="+mn-ea"/>
+                <a:sym typeface="+mn-lt"/>
+              </a:rPr>
+              <a:t>）</a:t>
             </a:r>
             <a:endParaRPr lang="zh-CN" altLang="en-US" dirty="0">
               <a:latin typeface="+mn-lt"/>
@@ -5491,22 +5368,13 @@
               </a:lnSpc>
             </a:pPr>
             <a:r>
-              <a:rPr lang="en-US" altLang="zh-CN" sz="2800" b="1" dirty="0">
-                <a:latin typeface="+mn-lt"/>
-                <a:ea typeface="+mn-ea"/>
-                <a:cs typeface="+mn-ea"/>
-                <a:sym typeface="+mn-lt"/>
-              </a:rPr>
-              <a:t>K</a:t>
-            </a:r>
-            <a:r>
               <a:rPr lang="zh-CN" altLang="en-US" sz="2800" b="1" dirty="0">
                 <a:latin typeface="+mn-lt"/>
                 <a:ea typeface="+mn-ea"/>
                 <a:cs typeface="+mn-ea"/>
                 <a:sym typeface="+mn-lt"/>
               </a:rPr>
-              <a:t>近邻算法的原理</a:t>
+              <a:t>线性模型的</a:t>
             </a:r>
             <a:endParaRPr lang="en-US" altLang="zh-CN" sz="2800" b="1" dirty="0">
               <a:latin typeface="+mn-lt"/>
@@ -5917,22 +5785,13 @@
               </a:lnSpc>
             </a:pPr>
             <a:r>
-              <a:rPr lang="en-US" altLang="zh-CN" dirty="0">
-                <a:latin typeface="+mn-lt"/>
-                <a:ea typeface="+mn-ea"/>
-                <a:cs typeface="+mn-ea"/>
-                <a:sym typeface="+mn-lt"/>
-              </a:rPr>
-              <a:t>K</a:t>
-            </a:r>
-            <a:r>
               <a:rPr lang="zh-CN" altLang="en-US" dirty="0">
                 <a:latin typeface="+mn-lt"/>
                 <a:ea typeface="+mn-ea"/>
                 <a:cs typeface="+mn-ea"/>
                 <a:sym typeface="+mn-lt"/>
               </a:rPr>
-              <a:t>近邻算法简介</a:t>
+              <a:t>线性模型的基本概念</a:t>
             </a:r>
           </a:p>
         </p:txBody>

--- a/MachineLearning/PPT/Ch04LinearModels.pptx
+++ b/MachineLearning/PPT/Ch04LinearModels.pptx
@@ -227,7 +227,7 @@
           <a:p>
             <a:fld id="{ABD1DD95-2A29-4EE2-B225-52E901FF2496}" type="datetimeFigureOut">
               <a:rPr lang="zh-CN" altLang="en-US" smtClean="0"/>
-              <a:t>2020-1-19</a:t>
+              <a:t>2020-2-20</a:t>
             </a:fld>
             <a:endParaRPr lang="zh-CN" altLang="en-US"/>
           </a:p>
@@ -392,7 +392,7 @@
           <a:p>
             <a:fld id="{67032A47-0651-4271-B9F6-B3977625BE84}" type="datetimeFigureOut">
               <a:rPr lang="zh-CN" altLang="en-US" smtClean="0"/>
-              <a:t>2020-1-19</a:t>
+              <a:t>2020-2-20</a:t>
             </a:fld>
             <a:endParaRPr lang="zh-CN" altLang="en-US"/>
           </a:p>
@@ -1681,7 +1681,7 @@
                 <a:ea typeface="微软雅黑" panose="020B0503020204020204" pitchFamily="34" charset="-122"/>
                 <a:cs typeface="Vrinda" panose="020B0502040204020203" pitchFamily="34" charset="0"/>
               </a:rPr>
-              <a:t>January 19, 2020</a:t>
+              <a:t>February 20, 2020</a:t>
             </a:fld>
             <a:endParaRPr lang="zh-CN" altLang="en-US" sz="1800" b="0" dirty="0">
               <a:solidFill>
@@ -2311,7 +2311,7 @@
                 <a:ea typeface="微软雅黑" panose="020B0503020204020204" pitchFamily="34" charset="-122"/>
                 <a:cs typeface="Vrinda" panose="020B0502040204020203" pitchFamily="34" charset="0"/>
               </a:rPr>
-              <a:t>January 19, 2020</a:t>
+              <a:t>February 20, 2020</a:t>
             </a:fld>
             <a:endParaRPr lang="zh-CN" altLang="en-US" sz="1800" b="0" dirty="0">
               <a:solidFill>
@@ -3258,7 +3258,7 @@
             </a:pPr>
             <a:r>
               <a:rPr lang="zh-CN" altLang="en-US" b="1" dirty="0">
-                <a:latin typeface="+mn-lt"/>
+                <a:latin typeface="+mn-ea"/>
                 <a:ea typeface="+mn-ea"/>
                 <a:cs typeface="+mn-ea"/>
                 <a:sym typeface="+mn-lt"/>
@@ -3267,7 +3267,7 @@
             </a:r>
             <a:r>
               <a:rPr lang="en-US" altLang="zh-CN" b="1" dirty="0">
-                <a:latin typeface="+mn-lt"/>
+                <a:latin typeface="+mn-ea"/>
                 <a:ea typeface="+mn-ea"/>
                 <a:cs typeface="+mn-ea"/>
                 <a:sym typeface="+mn-lt"/>
@@ -3276,7 +3276,7 @@
             </a:r>
             <a:r>
               <a:rPr lang="zh-CN" altLang="en-US" dirty="0">
-                <a:latin typeface="+mn-lt"/>
+                <a:latin typeface="+mn-ea"/>
                 <a:ea typeface="+mn-ea"/>
                 <a:cs typeface="+mn-ea"/>
                 <a:sym typeface="+mn-lt"/>
@@ -3285,7 +3285,7 @@
             </a:r>
             <a:r>
               <a:rPr lang="zh-CN" altLang="en-US" b="1" dirty="0">
-                <a:latin typeface="+mn-lt"/>
+                <a:latin typeface="+mn-ea"/>
                 <a:ea typeface="+mn-ea"/>
                 <a:cs typeface="+mn-ea"/>
                 <a:sym typeface="+mn-lt"/>

--- a/MachineLearning/PPT/Ch04LinearModels.pptx
+++ b/MachineLearning/PPT/Ch04LinearModels.pptx
@@ -227,7 +227,7 @@
           <a:p>
             <a:fld id="{ABD1DD95-2A29-4EE2-B225-52E901FF2496}" type="datetimeFigureOut">
               <a:rPr lang="zh-CN" altLang="en-US" smtClean="0"/>
-              <a:t>2020-2-20</a:t>
+              <a:t>2020-2-21</a:t>
             </a:fld>
             <a:endParaRPr lang="zh-CN" altLang="en-US"/>
           </a:p>
@@ -392,7 +392,7 @@
           <a:p>
             <a:fld id="{67032A47-0651-4271-B9F6-B3977625BE84}" type="datetimeFigureOut">
               <a:rPr lang="zh-CN" altLang="en-US" smtClean="0"/>
-              <a:t>2020-2-20</a:t>
+              <a:t>2020-2-21</a:t>
             </a:fld>
             <a:endParaRPr lang="zh-CN" altLang="en-US"/>
           </a:p>
@@ -1681,7 +1681,7 @@
                 <a:ea typeface="微软雅黑" panose="020B0503020204020204" pitchFamily="34" charset="-122"/>
                 <a:cs typeface="Vrinda" panose="020B0502040204020203" pitchFamily="34" charset="0"/>
               </a:rPr>
-              <a:t>February 20, 2020</a:t>
+              <a:t>February 21, 2020</a:t>
             </a:fld>
             <a:endParaRPr lang="zh-CN" altLang="en-US" sz="1800" b="0" dirty="0">
               <a:solidFill>
@@ -2311,7 +2311,7 @@
                 <a:ea typeface="微软雅黑" panose="020B0503020204020204" pitchFamily="34" charset="-122"/>
                 <a:cs typeface="Vrinda" panose="020B0502040204020203" pitchFamily="34" charset="0"/>
               </a:rPr>
-              <a:t>February 20, 2020</a:t>
+              <a:t>February 21, 2020</a:t>
             </a:fld>
             <a:endParaRPr lang="zh-CN" altLang="en-US" sz="1800" b="0" dirty="0">
               <a:solidFill>
@@ -3275,23 +3275,28 @@
               <a:t>4</a:t>
             </a:r>
             <a:r>
-              <a:rPr lang="zh-CN" altLang="en-US" dirty="0">
+              <a:rPr lang="zh-CN" altLang="en-US">
+                <a:latin typeface="+mn-ea"/>
+                <a:cs typeface="+mn-ea"/>
+                <a:sym typeface="+mn-lt"/>
+              </a:rPr>
+              <a:t>讲</a:t>
+            </a:r>
+            <a:r>
+              <a:rPr lang="zh-CN" altLang="en-US" b="1">
                 <a:latin typeface="+mn-ea"/>
                 <a:ea typeface="+mn-ea"/>
                 <a:cs typeface="+mn-ea"/>
                 <a:sym typeface="+mn-lt"/>
               </a:rPr>
-              <a:t>课时</a:t>
-            </a:r>
-            <a:r>
-              <a:rPr lang="zh-CN" altLang="en-US" b="1" dirty="0">
-                <a:latin typeface="+mn-ea"/>
-                <a:ea typeface="+mn-ea"/>
-                <a:cs typeface="+mn-ea"/>
-                <a:sym typeface="+mn-lt"/>
-              </a:rPr>
-              <a:t> 广义线性模型</a:t>
-            </a:r>
+              <a:t>广义线性模型</a:t>
+            </a:r>
+            <a:endParaRPr lang="zh-CN" altLang="en-US" b="1" dirty="0">
+              <a:latin typeface="+mn-ea"/>
+              <a:ea typeface="+mn-ea"/>
+              <a:cs typeface="+mn-ea"/>
+              <a:sym typeface="+mn-lt"/>
+            </a:endParaRPr>
           </a:p>
         </p:txBody>
       </p:sp>
